--- a/sdlc.pptx
+++ b/sdlc.pptx
@@ -202,7 +202,7 @@
           <a:p>
             <a:fld id="{1A6C12D2-FDEF-4C4E-B50B-B5F01EE62A2D}" type="datetimeFigureOut">
               <a:rPr lang="en-US" smtClean="0"/>
-              <a:t>7/24/20</a:t>
+              <a:t>9/10/20</a:t>
             </a:fld>
             <a:endParaRPr lang="en-US"/>
           </a:p>
@@ -700,7 +700,7 @@
           <a:p>
             <a:fld id="{C57F2468-BD12-5A4E-A2BE-C94DA53DAFF7}" type="datetimeFigureOut">
               <a:rPr lang="en-US" smtClean="0"/>
-              <a:t>7/24/20</a:t>
+              <a:t>9/10/20</a:t>
             </a:fld>
             <a:endParaRPr lang="en-US"/>
           </a:p>
@@ -898,7 +898,7 @@
           <a:p>
             <a:fld id="{C57F2468-BD12-5A4E-A2BE-C94DA53DAFF7}" type="datetimeFigureOut">
               <a:rPr lang="en-US" smtClean="0"/>
-              <a:t>7/24/20</a:t>
+              <a:t>9/10/20</a:t>
             </a:fld>
             <a:endParaRPr lang="en-US"/>
           </a:p>
@@ -1106,7 +1106,7 @@
           <a:p>
             <a:fld id="{C57F2468-BD12-5A4E-A2BE-C94DA53DAFF7}" type="datetimeFigureOut">
               <a:rPr lang="en-US" smtClean="0"/>
-              <a:t>7/24/20</a:t>
+              <a:t>9/10/20</a:t>
             </a:fld>
             <a:endParaRPr lang="en-US"/>
           </a:p>
@@ -1304,7 +1304,7 @@
           <a:p>
             <a:fld id="{C57F2468-BD12-5A4E-A2BE-C94DA53DAFF7}" type="datetimeFigureOut">
               <a:rPr lang="en-US" smtClean="0"/>
-              <a:t>7/24/20</a:t>
+              <a:t>9/10/20</a:t>
             </a:fld>
             <a:endParaRPr lang="en-US"/>
           </a:p>
@@ -1579,7 +1579,7 @@
           <a:p>
             <a:fld id="{C57F2468-BD12-5A4E-A2BE-C94DA53DAFF7}" type="datetimeFigureOut">
               <a:rPr lang="en-US" smtClean="0"/>
-              <a:t>7/24/20</a:t>
+              <a:t>9/10/20</a:t>
             </a:fld>
             <a:endParaRPr lang="en-US"/>
           </a:p>
@@ -1844,7 +1844,7 @@
           <a:p>
             <a:fld id="{C57F2468-BD12-5A4E-A2BE-C94DA53DAFF7}" type="datetimeFigureOut">
               <a:rPr lang="en-US" smtClean="0"/>
-              <a:t>7/24/20</a:t>
+              <a:t>9/10/20</a:t>
             </a:fld>
             <a:endParaRPr lang="en-US"/>
           </a:p>
@@ -2256,7 +2256,7 @@
           <a:p>
             <a:fld id="{C57F2468-BD12-5A4E-A2BE-C94DA53DAFF7}" type="datetimeFigureOut">
               <a:rPr lang="en-US" smtClean="0"/>
-              <a:t>7/24/20</a:t>
+              <a:t>9/10/20</a:t>
             </a:fld>
             <a:endParaRPr lang="en-US"/>
           </a:p>
@@ -2397,7 +2397,7 @@
           <a:p>
             <a:fld id="{C57F2468-BD12-5A4E-A2BE-C94DA53DAFF7}" type="datetimeFigureOut">
               <a:rPr lang="en-US" smtClean="0"/>
-              <a:t>7/24/20</a:t>
+              <a:t>9/10/20</a:t>
             </a:fld>
             <a:endParaRPr lang="en-US"/>
           </a:p>
@@ -2510,7 +2510,7 @@
           <a:p>
             <a:fld id="{C57F2468-BD12-5A4E-A2BE-C94DA53DAFF7}" type="datetimeFigureOut">
               <a:rPr lang="en-US" smtClean="0"/>
-              <a:t>7/24/20</a:t>
+              <a:t>9/10/20</a:t>
             </a:fld>
             <a:endParaRPr lang="en-US"/>
           </a:p>
@@ -2821,7 +2821,7 @@
           <a:p>
             <a:fld id="{C57F2468-BD12-5A4E-A2BE-C94DA53DAFF7}" type="datetimeFigureOut">
               <a:rPr lang="en-US" smtClean="0"/>
-              <a:t>7/24/20</a:t>
+              <a:t>9/10/20</a:t>
             </a:fld>
             <a:endParaRPr lang="en-US"/>
           </a:p>
@@ -3109,7 +3109,7 @@
           <a:p>
             <a:fld id="{C57F2468-BD12-5A4E-A2BE-C94DA53DAFF7}" type="datetimeFigureOut">
               <a:rPr lang="en-US" smtClean="0"/>
-              <a:t>7/24/20</a:t>
+              <a:t>9/10/20</a:t>
             </a:fld>
             <a:endParaRPr lang="en-US"/>
           </a:p>
@@ -3350,7 +3350,7 @@
           <a:p>
             <a:fld id="{C57F2468-BD12-5A4E-A2BE-C94DA53DAFF7}" type="datetimeFigureOut">
               <a:rPr lang="en-US" smtClean="0"/>
-              <a:t>7/24/20</a:t>
+              <a:t>9/10/20</a:t>
             </a:fld>
             <a:endParaRPr lang="en-US"/>
           </a:p>
@@ -3917,14 +3917,237 @@
         </p:blipFill>
         <p:spPr>
           <a:xfrm>
-            <a:off x="2657409" y="2596184"/>
-            <a:ext cx="6877182" cy="3062495"/>
+            <a:off x="-3138" y="2798546"/>
+            <a:ext cx="6143955" cy="2735980"/>
           </a:xfrm>
           <a:prstGeom prst="rect">
             <a:avLst/>
           </a:prstGeom>
         </p:spPr>
       </p:pic>
+      <p:sp>
+        <p:nvSpPr>
+          <p:cNvPr id="3" name="Line Callout 1 2">
+            <a:extLst>
+              <a:ext uri="{FF2B5EF4-FFF2-40B4-BE49-F238E27FC236}">
+                <a16:creationId xmlns:a16="http://schemas.microsoft.com/office/drawing/2014/main" id="{F6FA0071-1614-1240-873A-BBAAECC18BAA}"/>
+              </a:ext>
+            </a:extLst>
+          </p:cNvPr>
+          <p:cNvSpPr/>
+          <p:nvPr/>
+        </p:nvSpPr>
+        <p:spPr>
+          <a:xfrm>
+            <a:off x="2537095" y="2457532"/>
+            <a:ext cx="1079869" cy="248057"/>
+          </a:xfrm>
+          <a:prstGeom prst="borderCallout1">
+            <a:avLst>
+              <a:gd name="adj1" fmla="val 123634"/>
+              <a:gd name="adj2" fmla="val 5460"/>
+              <a:gd name="adj3" fmla="val 264613"/>
+              <a:gd name="adj4" fmla="val -12031"/>
+            </a:avLst>
+          </a:prstGeom>
+          <a:solidFill>
+            <a:schemeClr val="bg1">
+              <a:lumMod val="65000"/>
+            </a:schemeClr>
+          </a:solidFill>
+        </p:spPr>
+        <p:style>
+          <a:lnRef idx="2">
+            <a:schemeClr val="accent1">
+              <a:shade val="50000"/>
+            </a:schemeClr>
+          </a:lnRef>
+          <a:fillRef idx="1">
+            <a:schemeClr val="accent1"/>
+          </a:fillRef>
+          <a:effectRef idx="0">
+            <a:schemeClr val="accent1"/>
+          </a:effectRef>
+          <a:fontRef idx="minor">
+            <a:schemeClr val="lt1"/>
+          </a:fontRef>
+        </p:style>
+        <p:txBody>
+          <a:bodyPr rtlCol="0" anchor="ctr"/>
+          <a:lstStyle/>
+          <a:p>
+            <a:pPr algn="ctr"/>
+            <a:r>
+              <a:rPr lang="en-US" sz="1400" dirty="0"/>
+              <a:t>start here</a:t>
+            </a:r>
+          </a:p>
+        </p:txBody>
+      </p:sp>
+      <p:sp>
+        <p:nvSpPr>
+          <p:cNvPr id="5" name="TextBox 4">
+            <a:extLst>
+              <a:ext uri="{FF2B5EF4-FFF2-40B4-BE49-F238E27FC236}">
+                <a16:creationId xmlns:a16="http://schemas.microsoft.com/office/drawing/2014/main" id="{8AA1CEB0-FB15-2D44-8C41-EA9C198F357B}"/>
+              </a:ext>
+            </a:extLst>
+          </p:cNvPr>
+          <p:cNvSpPr txBox="1"/>
+          <p:nvPr/>
+        </p:nvSpPr>
+        <p:spPr>
+          <a:xfrm>
+            <a:off x="6477002" y="1189820"/>
+            <a:ext cx="5440016" cy="4801314"/>
+          </a:xfrm>
+          <a:prstGeom prst="rect">
+            <a:avLst/>
+          </a:prstGeom>
+          <a:noFill/>
+        </p:spPr>
+        <p:txBody>
+          <a:bodyPr wrap="square" rtlCol="0">
+            <a:spAutoFit/>
+          </a:bodyPr>
+          <a:lstStyle/>
+          <a:p>
+            <a:r>
+              <a:rPr lang="en-US" b="1" dirty="0"/>
+              <a:t>Computational Thinking</a:t>
+            </a:r>
+          </a:p>
+          <a:p>
+            <a:endParaRPr lang="en-US" dirty="0"/>
+          </a:p>
+          <a:p>
+            <a:pPr marL="285750" indent="-285750">
+              <a:buFont typeface="Arial" panose="020B0604020202020204" pitchFamily="34" charset="0"/>
+              <a:buChar char="•"/>
+            </a:pPr>
+            <a:r>
+              <a:rPr lang="en-US" dirty="0"/>
+              <a:t>An approach to problem-solving</a:t>
+            </a:r>
+          </a:p>
+          <a:p>
+            <a:pPr marL="285750" indent="-285750">
+              <a:buFont typeface="Arial" panose="020B0604020202020204" pitchFamily="34" charset="0"/>
+              <a:buChar char="•"/>
+            </a:pPr>
+            <a:r>
+              <a:rPr lang="en-US" dirty="0"/>
+              <a:t>Critically important to being a software developer</a:t>
+            </a:r>
+          </a:p>
+          <a:p>
+            <a:pPr marL="285750" indent="-285750">
+              <a:buFont typeface="Arial" panose="020B0604020202020204" pitchFamily="34" charset="0"/>
+              <a:buChar char="•"/>
+            </a:pPr>
+            <a:r>
+              <a:rPr lang="en-US" dirty="0"/>
+              <a:t>Taking apart a problem and figuring out how to attack it knowing what we know about computation. </a:t>
+            </a:r>
+          </a:p>
+          <a:p>
+            <a:pPr marL="285750" indent="-285750">
+              <a:buFont typeface="Arial" panose="020B0604020202020204" pitchFamily="34" charset="0"/>
+              <a:buChar char="•"/>
+            </a:pPr>
+            <a:r>
+              <a:rPr lang="en-US" dirty="0"/>
+              <a:t>There are 4 main facet</a:t>
+            </a:r>
+          </a:p>
+          <a:p>
+            <a:pPr marL="742950" lvl="1" indent="-285750">
+              <a:buFont typeface="Arial" panose="020B0604020202020204" pitchFamily="34" charset="0"/>
+              <a:buChar char="•"/>
+            </a:pPr>
+            <a:r>
+              <a:rPr lang="en-US" dirty="0"/>
+              <a:t>Decomposition. Breaking something down and figuring out what the parts are.</a:t>
+            </a:r>
+          </a:p>
+          <a:p>
+            <a:pPr marL="742950" lvl="1" indent="-285750">
+              <a:buFont typeface="Arial" panose="020B0604020202020204" pitchFamily="34" charset="0"/>
+              <a:buChar char="•"/>
+            </a:pPr>
+            <a:r>
+              <a:rPr lang="en-US" dirty="0"/>
+              <a:t>Pattern recognition. Finding similarities and differences among the parts in order to make predications / plan of attach.</a:t>
+            </a:r>
+          </a:p>
+          <a:p>
+            <a:pPr marL="742950" lvl="1" indent="-285750">
+              <a:buFont typeface="Arial" panose="020B0604020202020204" pitchFamily="34" charset="0"/>
+              <a:buChar char="•"/>
+            </a:pPr>
+            <a:r>
+              <a:rPr lang="en-US" dirty="0"/>
+              <a:t>Pattern generalization (abstraction). General principles that generate these patterns.</a:t>
+            </a:r>
+          </a:p>
+          <a:p>
+            <a:pPr marL="742950" lvl="1" indent="-285750">
+              <a:buFont typeface="Arial" panose="020B0604020202020204" pitchFamily="34" charset="0"/>
+              <a:buChar char="•"/>
+            </a:pPr>
+            <a:r>
+              <a:rPr lang="en-US" dirty="0"/>
+              <a:t>Algorithm design. Developing step-by-step instructions that solve similar problems.</a:t>
+            </a:r>
+          </a:p>
+          <a:p>
+            <a:endParaRPr lang="en-US" dirty="0"/>
+          </a:p>
+        </p:txBody>
+      </p:sp>
+      <p:cxnSp>
+        <p:nvCxnSpPr>
+          <p:cNvPr id="14" name="Elbow Connector 13">
+            <a:extLst>
+              <a:ext uri="{FF2B5EF4-FFF2-40B4-BE49-F238E27FC236}">
+                <a16:creationId xmlns:a16="http://schemas.microsoft.com/office/drawing/2014/main" id="{C1715D44-1786-094E-9222-0C1C201717FB}"/>
+              </a:ext>
+            </a:extLst>
+          </p:cNvPr>
+          <p:cNvCxnSpPr>
+            <a:cxnSpLocks/>
+            <a:stCxn id="3" idx="3"/>
+          </p:cNvCxnSpPr>
+          <p:nvPr/>
+        </p:nvCxnSpPr>
+        <p:spPr>
+          <a:xfrm rot="5400000" flipH="1" flipV="1">
+            <a:off x="4183918" y="300808"/>
+            <a:ext cx="1049836" cy="3263613"/>
+          </a:xfrm>
+          <a:prstGeom prst="bentConnector2">
+            <a:avLst/>
+          </a:prstGeom>
+          <a:ln>
+            <a:prstDash val="lgDash"/>
+            <a:tailEnd type="triangle"/>
+          </a:ln>
+        </p:spPr>
+        <p:style>
+          <a:lnRef idx="1">
+            <a:schemeClr val="accent1"/>
+          </a:lnRef>
+          <a:fillRef idx="0">
+            <a:schemeClr val="accent1"/>
+          </a:fillRef>
+          <a:effectRef idx="0">
+            <a:schemeClr val="accent1"/>
+          </a:effectRef>
+          <a:fontRef idx="minor">
+            <a:schemeClr val="tx1"/>
+          </a:fontRef>
+        </p:style>
+      </p:cxnSp>
     </p:spTree>
     <p:extLst>
       <p:ext uri="{BB962C8B-B14F-4D97-AF65-F5344CB8AC3E}">
